--- a/Discussions/SuperPulsator-CEPIS.pptx
+++ b/Discussions/SuperPulsator-CEPIS.pptx
@@ -5,27 +5,28 @@
     <p:sldMasterId id="2147483749" r:id="rId1"/>
   </p:sldMasterIdLst>
   <p:notesMasterIdLst>
-    <p:notesMasterId r:id="rId7"/>
+    <p:notesMasterId r:id="rId8"/>
   </p:notesMasterIdLst>
   <p:handoutMasterIdLst>
-    <p:handoutMasterId r:id="rId8"/>
+    <p:handoutMasterId r:id="rId9"/>
   </p:handoutMasterIdLst>
   <p:sldIdLst>
-    <p:sldId id="689" r:id="rId2"/>
-    <p:sldId id="738" r:id="rId3"/>
-    <p:sldId id="686" r:id="rId4"/>
-    <p:sldId id="423" r:id="rId5"/>
-    <p:sldId id="685" r:id="rId6"/>
+    <p:sldId id="694" r:id="rId2"/>
+    <p:sldId id="689" r:id="rId3"/>
+    <p:sldId id="738" r:id="rId4"/>
+    <p:sldId id="686" r:id="rId5"/>
+    <p:sldId id="423" r:id="rId6"/>
+    <p:sldId id="685" r:id="rId7"/>
   </p:sldIdLst>
   <p:sldSz cx="12192000" cy="6858000"/>
   <p:notesSz cx="7315200" cy="9601200"/>
   <p:embeddedFontLst>
     <p:embeddedFont>
       <p:font typeface="Candara" panose="020E0502030303020204" pitchFamily="34" charset="0"/>
-      <p:regular r:id="rId9"/>
-      <p:bold r:id="rId10"/>
-      <p:italic r:id="rId11"/>
-      <p:boldItalic r:id="rId12"/>
+      <p:regular r:id="rId10"/>
+      <p:bold r:id="rId11"/>
+      <p:italic r:id="rId12"/>
+      <p:boldItalic r:id="rId13"/>
     </p:embeddedFont>
   </p:embeddedFontLst>
   <p:defaultTextStyle>
@@ -909,45 +910,49 @@
           <a:bodyPr/>
           <a:lstStyle/>
           <a:p>
+            <a:endParaRPr lang="en-US" dirty="0"/>
+          </a:p>
+          <a:p>
             <a:r>
               <a:rPr lang="en-US" dirty="0"/>
-              <a:t>https://www.youtube.com/watch?v=UNhygQov69Q</a:t>
-            </a:r>
+              <a:t>https://www.youtube.com/watch?v=pytXC-1zWhw</a:t>
+            </a:r>
+          </a:p>
+          <a:p>
+            <a:endParaRPr lang="en-US" dirty="0"/>
           </a:p>
           <a:p>
             <a:r>
               <a:rPr lang="en-US" dirty="0"/>
-              <a:t>Why is </a:t>
+              <a:t>&lt;iframe width="590" height="483" </a:t>
             </a:r>
             <a:r>
               <a:rPr lang="en-US" dirty="0" err="1"/>
-              <a:t>pulsator</a:t>
+              <a:t>src</a:t>
             </a:r>
             <a:r>
               <a:rPr lang="en-US" dirty="0"/>
-              <a:t> needed?</a:t>
-            </a:r>
-          </a:p>
-          <a:p>
+              <a:t>="https://www.youtube.com/embed/pytXC-1zWhw" title="YouTube video player" frameborder="0" allow="accelerometer; </a:t>
+            </a:r>
+            <a:r>
+              <a:rPr lang="en-US" dirty="0" err="1"/>
+              <a:t>autoplay</a:t>
+            </a:r>
             <a:r>
               <a:rPr lang="en-US" dirty="0"/>
-              <a:t>Which</a:t>
-            </a:r>
-            <a:r>
-              <a:rPr lang="en-US" baseline="0" dirty="0"/>
-              <a:t> end of the </a:t>
-            </a:r>
-            <a:r>
-              <a:rPr lang="en-US" baseline="0" dirty="0" err="1"/>
-              <a:t>sed</a:t>
-            </a:r>
-            <a:r>
-              <a:rPr lang="en-US" baseline="0" dirty="0"/>
-              <a:t> tank will have flocs rising rapidly? (two reasons)</a:t>
-            </a:r>
-          </a:p>
-          <a:p>
-            <a:endParaRPr lang="en-US" baseline="0" dirty="0"/>
+              <a:t>; clipboard-write; encrypted-media; gyroscope; picture-in-picture" </a:t>
+            </a:r>
+            <a:r>
+              <a:rPr lang="en-US" dirty="0" err="1"/>
+              <a:t>allowfullscreen</a:t>
+            </a:r>
+            <a:r>
+              <a:rPr lang="en-US" dirty="0"/>
+              <a:t>&gt;&lt;/iframe&gt;</a:t>
+            </a:r>
+          </a:p>
+          <a:p>
+            <a:endParaRPr lang="en-US" dirty="0"/>
           </a:p>
           <a:p>
             <a:pPr marL="0" marR="0" lvl="0" indent="0" algn="l" defTabSz="914400" rtl="0" eaLnBrk="1" fontAlgn="base" latinLnBrk="0" hangingPunct="1">
@@ -969,7 +974,7 @@
             </a:pPr>
             <a:r>
               <a:rPr lang="en-US" dirty="0"/>
-              <a:t>&lt;iframe width="640" height="360" </a:t>
+              <a:t>&lt;iframe width="791" height="445" </a:t>
             </a:r>
             <a:r>
               <a:rPr lang="en-US" dirty="0" err="1"/>
@@ -977,7 +982,7 @@
             </a:r>
             <a:r>
               <a:rPr lang="en-US" dirty="0"/>
-              <a:t>="https://www.youtube.com/embed/UNhygQov69Q?autoplay=1&amp;mute=1&amp;start=68&amp;stop=214" title="YouTube video player" frameborder="0" allow="accelerometer; </a:t>
+              <a:t>="https://www.youtube.com/embed/pytXC-1zWhw?autoplay=1&amp;start=285&amp;end=360" title="YouTube video player" frameborder="0" allow="accelerometer; </a:t>
             </a:r>
             <a:r>
               <a:rPr lang="en-US" dirty="0" err="1"/>
@@ -999,6 +1004,64 @@
           <a:p>
             <a:endParaRPr lang="en-US" dirty="0"/>
           </a:p>
+          <a:p>
+            <a:endParaRPr lang="en-US" dirty="0"/>
+          </a:p>
+          <a:p>
+            <a:endParaRPr lang="en-US" dirty="0"/>
+          </a:p>
+          <a:p>
+            <a:r>
+              <a:rPr lang="en-US" dirty="0"/>
+              <a:t>How</a:t>
+            </a:r>
+            <a:r>
+              <a:rPr lang="en-US" baseline="0" dirty="0"/>
+              <a:t> does the floc filter remove  small particles?</a:t>
+            </a:r>
+          </a:p>
+          <a:p>
+            <a:r>
+              <a:rPr lang="en-US" baseline="0" dirty="0"/>
+              <a:t>Are plate settlers needed after a floc filter?</a:t>
+            </a:r>
+          </a:p>
+          <a:p>
+            <a:r>
+              <a:rPr lang="en-US" baseline="0" dirty="0"/>
+              <a:t>What determines how fast the floc/water interface rises? 100mg/L*1mm/s = 3000 mg/L * x mm/s</a:t>
+            </a:r>
+          </a:p>
+          <a:p>
+            <a:r>
+              <a:rPr lang="en-US" baseline="0" dirty="0"/>
+              <a:t>Why might a floc filter reduce settled water turbidity?</a:t>
+            </a:r>
+          </a:p>
+          <a:p>
+            <a:r>
+              <a:rPr lang="en-US" baseline="0" dirty="0"/>
+              <a:t>How is water entering the tank?</a:t>
+            </a:r>
+          </a:p>
+          <a:p>
+            <a:r>
+              <a:rPr lang="en-US" baseline="0" dirty="0"/>
+              <a:t>Where do the solids eventually go?</a:t>
+            </a:r>
+          </a:p>
+          <a:p>
+            <a:r>
+              <a:rPr lang="en-US" baseline="0" dirty="0"/>
+              <a:t>What mechanisms could result in particle aggregation in a floc filter?</a:t>
+            </a:r>
+          </a:p>
+          <a:p>
+            <a:endParaRPr lang="en-US" baseline="0" dirty="0"/>
+          </a:p>
+          <a:p>
+            <a:endParaRPr lang="en-US" dirty="0"/>
+          </a:p>
         </p:txBody>
       </p:sp>
       <p:sp>
@@ -1016,7 +1079,7 @@
           <a:bodyPr/>
           <a:lstStyle/>
           <a:p>
-            <a:fld id="{C8C67A4B-1494-4E90-B571-211DA147E077}" type="slidenum">
+            <a:fld id="{89EC2A8F-A5BD-43B9-B300-65A9850BA242}" type="slidenum">
               <a:rPr lang="en-US" smtClean="0"/>
               <a:t>1</a:t>
             </a:fld>
@@ -1027,7 +1090,7 @@
     </p:spTree>
     <p:extLst>
       <p:ext uri="{BB962C8B-B14F-4D97-AF65-F5344CB8AC3E}">
-        <p14:creationId xmlns:p14="http://schemas.microsoft.com/office/powerpoint/2010/main" val="2812830927"/>
+        <p14:creationId xmlns:p14="http://schemas.microsoft.com/office/powerpoint/2010/main" val="346637130"/>
       </p:ext>
     </p:extLst>
   </p:cSld>
@@ -1088,12 +1151,92 @@
           <a:p>
             <a:r>
               <a:rPr lang="en-US" dirty="0"/>
-              <a:t>Sludge</a:t>
+              <a:t>https://www.youtube.com/watch?v=UNhygQov69Q</a:t>
+            </a:r>
+          </a:p>
+          <a:p>
+            <a:r>
+              <a:rPr lang="en-US" dirty="0"/>
+              <a:t>Why is </a:t>
+            </a:r>
+            <a:r>
+              <a:rPr lang="en-US" dirty="0" err="1"/>
+              <a:t>pulsator</a:t>
+            </a:r>
+            <a:r>
+              <a:rPr lang="en-US" dirty="0"/>
+              <a:t> needed?</a:t>
+            </a:r>
+          </a:p>
+          <a:p>
+            <a:r>
+              <a:rPr lang="en-US" dirty="0"/>
+              <a:t>Which</a:t>
             </a:r>
             <a:r>
               <a:rPr lang="en-US" baseline="0" dirty="0"/>
-              <a:t> slowly buries more and more of the inlet manifold system. </a:t>
-            </a:r>
+              <a:t> end of the </a:t>
+            </a:r>
+            <a:r>
+              <a:rPr lang="en-US" baseline="0" dirty="0" err="1"/>
+              <a:t>sed</a:t>
+            </a:r>
+            <a:r>
+              <a:rPr lang="en-US" baseline="0" dirty="0"/>
+              <a:t> tank will have flocs rising rapidly? (two reasons)</a:t>
+            </a:r>
+          </a:p>
+          <a:p>
+            <a:endParaRPr lang="en-US" baseline="0" dirty="0"/>
+          </a:p>
+          <a:p>
+            <a:pPr marL="0" marR="0" lvl="0" indent="0" algn="l" defTabSz="914400" rtl="0" eaLnBrk="1" fontAlgn="base" latinLnBrk="0" hangingPunct="1">
+              <a:lnSpc>
+                <a:spcPct val="100000"/>
+              </a:lnSpc>
+              <a:spcBef>
+                <a:spcPct val="30000"/>
+              </a:spcBef>
+              <a:spcAft>
+                <a:spcPct val="0"/>
+              </a:spcAft>
+              <a:buClrTx/>
+              <a:buSzTx/>
+              <a:buFontTx/>
+              <a:buNone/>
+              <a:tabLst/>
+              <a:defRPr/>
+            </a:pPr>
+            <a:r>
+              <a:rPr lang="en-US" dirty="0"/>
+              <a:t>&lt;iframe width="640" height="360" </a:t>
+            </a:r>
+            <a:r>
+              <a:rPr lang="en-US" dirty="0" err="1"/>
+              <a:t>src</a:t>
+            </a:r>
+            <a:r>
+              <a:rPr lang="en-US" dirty="0"/>
+              <a:t>="https://www.youtube.com/embed/UNhygQov69Q?autoplay=1&amp;mute=1&amp;start=68&amp;stop=214" title="YouTube video player" frameborder="0" allow="accelerometer; </a:t>
+            </a:r>
+            <a:r>
+              <a:rPr lang="en-US" dirty="0" err="1"/>
+              <a:t>autoplay</a:t>
+            </a:r>
+            <a:r>
+              <a:rPr lang="en-US" dirty="0"/>
+              <a:t>; clipboard-write; encrypted-media; gyroscope; picture-in-picture" </a:t>
+            </a:r>
+            <a:r>
+              <a:rPr lang="en-US" dirty="0" err="1"/>
+              <a:t>allowfullscreen</a:t>
+            </a:r>
+            <a:r>
+              <a:rPr lang="en-US" dirty="0"/>
+              <a:t>&gt;&lt;/iframe&gt;</a:t>
+            </a:r>
+          </a:p>
+          <a:p>
             <a:endParaRPr lang="en-US" dirty="0"/>
           </a:p>
         </p:txBody>
@@ -1113,9 +1256,8 @@
           <a:bodyPr/>
           <a:lstStyle/>
           <a:p>
-            <a:fld id="{4680736C-C557-4F27-A92F-FA435A243315}" type="slidenum">
+            <a:fld id="{C8C67A4B-1494-4E90-B571-211DA147E077}" type="slidenum">
               <a:rPr lang="en-US" smtClean="0"/>
-              <a:pPr/>
               <a:t>2</a:t>
             </a:fld>
             <a:endParaRPr lang="en-US"/>
@@ -1125,7 +1267,7 @@
     </p:spTree>
     <p:extLst>
       <p:ext uri="{BB962C8B-B14F-4D97-AF65-F5344CB8AC3E}">
-        <p14:creationId xmlns:p14="http://schemas.microsoft.com/office/powerpoint/2010/main" val="1596417424"/>
+        <p14:creationId xmlns:p14="http://schemas.microsoft.com/office/powerpoint/2010/main" val="2812830927"/>
       </p:ext>
     </p:extLst>
   </p:cSld>
@@ -1184,47 +1326,16 @@
           <a:bodyPr/>
           <a:lstStyle/>
           <a:p>
+            <a:r>
+              <a:rPr lang="en-US" dirty="0"/>
+              <a:t>Sludge</a:t>
+            </a:r>
+            <a:r>
+              <a:rPr lang="en-US" baseline="0" dirty="0"/>
+              <a:t> slowly buries more and more of the inlet manifold system. </a:t>
+            </a:r>
             <a:endParaRPr lang="en-US" dirty="0"/>
           </a:p>
-          <a:p>
-            <a:r>
-              <a:rPr lang="en-US" dirty="0"/>
-              <a:t>https://www.youtube.com/watch?v=aLaCuq9PK7s</a:t>
-            </a:r>
-          </a:p>
-          <a:p>
-            <a:endParaRPr lang="en-US" dirty="0"/>
-          </a:p>
-          <a:p>
-            <a:r>
-              <a:rPr lang="en-US" dirty="0"/>
-              <a:t>&lt;iframe width="640" height="360" </a:t>
-            </a:r>
-            <a:r>
-              <a:rPr lang="en-US" dirty="0" err="1"/>
-              <a:t>src</a:t>
-            </a:r>
-            <a:r>
-              <a:rPr lang="en-US" dirty="0"/>
-              <a:t>="https://www.youtube.com/embed/aLaCuq9PK7s?autoplay=1&amp;mute=1" title="YouTube video player" frameborder="0" allow="accelerometer; </a:t>
-            </a:r>
-            <a:r>
-              <a:rPr lang="en-US" dirty="0" err="1"/>
-              <a:t>autoplay</a:t>
-            </a:r>
-            <a:r>
-              <a:rPr lang="en-US" dirty="0"/>
-              <a:t>; clipboard-write; encrypted-media; gyroscope; picture-in-picture" </a:t>
-            </a:r>
-            <a:r>
-              <a:rPr lang="en-US" dirty="0" err="1"/>
-              <a:t>allowfullscreen</a:t>
-            </a:r>
-            <a:r>
-              <a:rPr lang="en-US" dirty="0"/>
-              <a:t>&gt;&lt;/iframe&gt;</a:t>
-            </a:r>
-          </a:p>
         </p:txBody>
       </p:sp>
       <p:sp>
@@ -1234,7 +1345,7 @@
             <a:spLocks noGrp="1"/>
           </p:cNvSpPr>
           <p:nvPr>
-            <p:ph type="sldNum" sz="quarter" idx="5"/>
+            <p:ph type="sldNum" sz="quarter" idx="10"/>
           </p:nvPr>
         </p:nvSpPr>
         <p:spPr/>
@@ -1254,7 +1365,7 @@
     </p:spTree>
     <p:extLst>
       <p:ext uri="{BB962C8B-B14F-4D97-AF65-F5344CB8AC3E}">
-        <p14:creationId xmlns:p14="http://schemas.microsoft.com/office/powerpoint/2010/main" val="1046689891"/>
+        <p14:creationId xmlns:p14="http://schemas.microsoft.com/office/powerpoint/2010/main" val="1596417424"/>
       </p:ext>
     </p:extLst>
   </p:cSld>
@@ -1283,35 +1394,9 @@
       </p:grpSpPr>
       <p:sp>
         <p:nvSpPr>
-          <p:cNvPr id="7" name="Rectangle 7"/>
-          <p:cNvSpPr>
-            <a:spLocks noGrp="1" noChangeArrowheads="1"/>
-          </p:cNvSpPr>
-          <p:nvPr>
-            <p:ph type="sldNum" sz="quarter" idx="5"/>
-          </p:nvPr>
-        </p:nvSpPr>
-        <p:spPr>
-          <a:ln/>
-        </p:spPr>
-        <p:txBody>
-          <a:bodyPr/>
-          <a:lstStyle/>
-          <a:p>
-            <a:fld id="{974597CC-115D-402C-BDC9-DA0A1DBDA226}" type="slidenum">
-              <a:rPr lang="en-US"/>
-              <a:pPr/>
-              <a:t>4</a:t>
-            </a:fld>
-            <a:endParaRPr lang="en-US"/>
-          </a:p>
-        </p:txBody>
-      </p:sp>
-      <p:sp>
-        <p:nvSpPr>
-          <p:cNvPr id="445442" name="Rectangle 2"/>
-          <p:cNvSpPr>
-            <a:spLocks noGrp="1" noRot="1" noChangeAspect="1" noChangeArrowheads="1" noTextEdit="1"/>
+          <p:cNvPr id="2" name="Slide Image Placeholder 1"/>
+          <p:cNvSpPr>
+            <a:spLocks noGrp="1" noRot="1" noChangeAspect="1"/>
           </p:cNvSpPr>
           <p:nvPr>
             <p:ph type="sldImg"/>
@@ -1322,14 +1407,13 @@
             <a:off x="457200" y="720725"/>
             <a:ext cx="6400800" cy="3600450"/>
           </a:xfrm>
-          <a:ln/>
         </p:spPr>
       </p:sp>
       <p:sp>
         <p:nvSpPr>
-          <p:cNvPr id="445443" name="Rectangle 3"/>
-          <p:cNvSpPr>
-            <a:spLocks noGrp="1" noChangeArrowheads="1"/>
+          <p:cNvPr id="3" name="Notes Placeholder 2"/>
+          <p:cNvSpPr>
+            <a:spLocks noGrp="1"/>
           </p:cNvSpPr>
           <p:nvPr>
             <p:ph type="body" idx="1"/>
@@ -1340,9 +1424,12 @@
           <a:bodyPr/>
           <a:lstStyle/>
           <a:p>
+            <a:endParaRPr lang="en-US" dirty="0"/>
+          </a:p>
+          <a:p>
             <a:r>
               <a:rPr lang="en-US" dirty="0"/>
-              <a:t>CAPÍTULO 4</a:t>
+              <a:t>https://www.youtube.com/watch?v=aLaCuq9PK7s</a:t>
             </a:r>
           </a:p>
           <a:p>
@@ -1351,12 +1438,65 @@
           <a:p>
             <a:r>
               <a:rPr lang="en-US" dirty="0"/>
-              <a:t>DECANTADORES LAMINARES</a:t>
-            </a:r>
+              <a:t>&lt;iframe width="640" height="360" </a:t>
+            </a:r>
+            <a:r>
+              <a:rPr lang="en-US" dirty="0" err="1"/>
+              <a:t>src</a:t>
+            </a:r>
+            <a:r>
+              <a:rPr lang="en-US" dirty="0"/>
+              <a:t>="https://www.youtube.com/embed/aLaCuq9PK7s?autoplay=1&amp;mute=1" title="YouTube video player" frameborder="0" allow="accelerometer; </a:t>
+            </a:r>
+            <a:r>
+              <a:rPr lang="en-US" dirty="0" err="1"/>
+              <a:t>autoplay</a:t>
+            </a:r>
+            <a:r>
+              <a:rPr lang="en-US" dirty="0"/>
+              <a:t>; clipboard-write; encrypted-media; gyroscope; picture-in-picture" </a:t>
+            </a:r>
+            <a:r>
+              <a:rPr lang="en-US" dirty="0" err="1"/>
+              <a:t>allowfullscreen</a:t>
+            </a:r>
+            <a:r>
+              <a:rPr lang="en-US" dirty="0"/>
+              <a:t>&gt;&lt;/iframe&gt;</a:t>
+            </a:r>
+          </a:p>
+        </p:txBody>
+      </p:sp>
+      <p:sp>
+        <p:nvSpPr>
+          <p:cNvPr id="4" name="Slide Number Placeholder 3"/>
+          <p:cNvSpPr>
+            <a:spLocks noGrp="1"/>
+          </p:cNvSpPr>
+          <p:nvPr>
+            <p:ph type="sldNum" sz="quarter" idx="5"/>
+          </p:nvPr>
+        </p:nvSpPr>
+        <p:spPr/>
+        <p:txBody>
+          <a:bodyPr/>
+          <a:lstStyle/>
+          <a:p>
+            <a:fld id="{4680736C-C557-4F27-A92F-FA435A243315}" type="slidenum">
+              <a:rPr lang="en-US" smtClean="0"/>
+              <a:pPr/>
+              <a:t>4</a:t>
+            </a:fld>
+            <a:endParaRPr lang="en-US"/>
           </a:p>
         </p:txBody>
       </p:sp>
     </p:spTree>
+    <p:extLst>
+      <p:ext uri="{BB962C8B-B14F-4D97-AF65-F5344CB8AC3E}">
+        <p14:creationId xmlns:p14="http://schemas.microsoft.com/office/powerpoint/2010/main" val="1046689891"/>
+      </p:ext>
+    </p:extLst>
   </p:cSld>
   <p:clrMapOvr>
     <a:masterClrMapping/>
@@ -1383,6 +1523,106 @@
       </p:grpSpPr>
       <p:sp>
         <p:nvSpPr>
+          <p:cNvPr id="7" name="Rectangle 7"/>
+          <p:cNvSpPr>
+            <a:spLocks noGrp="1" noChangeArrowheads="1"/>
+          </p:cNvSpPr>
+          <p:nvPr>
+            <p:ph type="sldNum" sz="quarter" idx="5"/>
+          </p:nvPr>
+        </p:nvSpPr>
+        <p:spPr>
+          <a:ln/>
+        </p:spPr>
+        <p:txBody>
+          <a:bodyPr/>
+          <a:lstStyle/>
+          <a:p>
+            <a:fld id="{974597CC-115D-402C-BDC9-DA0A1DBDA226}" type="slidenum">
+              <a:rPr lang="en-US"/>
+              <a:pPr/>
+              <a:t>5</a:t>
+            </a:fld>
+            <a:endParaRPr lang="en-US"/>
+          </a:p>
+        </p:txBody>
+      </p:sp>
+      <p:sp>
+        <p:nvSpPr>
+          <p:cNvPr id="445442" name="Rectangle 2"/>
+          <p:cNvSpPr>
+            <a:spLocks noGrp="1" noRot="1" noChangeAspect="1" noChangeArrowheads="1" noTextEdit="1"/>
+          </p:cNvSpPr>
+          <p:nvPr>
+            <p:ph type="sldImg"/>
+          </p:nvPr>
+        </p:nvSpPr>
+        <p:spPr>
+          <a:xfrm>
+            <a:off x="457200" y="720725"/>
+            <a:ext cx="6400800" cy="3600450"/>
+          </a:xfrm>
+          <a:ln/>
+        </p:spPr>
+      </p:sp>
+      <p:sp>
+        <p:nvSpPr>
+          <p:cNvPr id="445443" name="Rectangle 3"/>
+          <p:cNvSpPr>
+            <a:spLocks noGrp="1" noChangeArrowheads="1"/>
+          </p:cNvSpPr>
+          <p:nvPr>
+            <p:ph type="body" idx="1"/>
+          </p:nvPr>
+        </p:nvSpPr>
+        <p:spPr/>
+        <p:txBody>
+          <a:bodyPr/>
+          <a:lstStyle/>
+          <a:p>
+            <a:r>
+              <a:rPr lang="en-US" dirty="0"/>
+              <a:t>What could fail?</a:t>
+            </a:r>
+          </a:p>
+          <a:p>
+            <a:r>
+              <a:rPr lang="en-US" dirty="0"/>
+              <a:t>What would be challenging for the operators when they have to clean it?</a:t>
+            </a:r>
+          </a:p>
+          <a:p>
+            <a:endParaRPr lang="en-US" dirty="0"/>
+          </a:p>
+        </p:txBody>
+      </p:sp>
+    </p:spTree>
+  </p:cSld>
+  <p:clrMapOvr>
+    <a:masterClrMapping/>
+  </p:clrMapOvr>
+</p:notes>
+</file>
+
+<file path=ppt/notesSlides/notesSlide6.xml><?xml version="1.0" encoding="utf-8"?>
+<p:notes xmlns:a="http://schemas.openxmlformats.org/drawingml/2006/main" xmlns:r="http://schemas.openxmlformats.org/officeDocument/2006/relationships" xmlns:p="http://schemas.openxmlformats.org/presentationml/2006/main">
+  <p:cSld>
+    <p:spTree>
+      <p:nvGrpSpPr>
+        <p:cNvPr id="1" name=""/>
+        <p:cNvGrpSpPr/>
+        <p:nvPr/>
+      </p:nvGrpSpPr>
+      <p:grpSpPr>
+        <a:xfrm>
+          <a:off x="0" y="0"/>
+          <a:ext cx="0" cy="0"/>
+          <a:chOff x="0" y="0"/>
+          <a:chExt cx="0" cy="0"/>
+        </a:xfrm>
+      </p:grpSpPr>
+      <p:sp>
+        <p:nvSpPr>
           <p:cNvPr id="2" name="Slide Image Placeholder 1"/>
           <p:cNvSpPr>
             <a:spLocks noGrp="1" noRot="1" noChangeAspect="1"/>
@@ -1435,7 +1675,7 @@
             <a:fld id="{4680736C-C557-4F27-A92F-FA435A243315}" type="slidenum">
               <a:rPr lang="en-US" smtClean="0"/>
               <a:pPr/>
-              <a:t>5</a:t>
+              <a:t>6</a:t>
             </a:fld>
             <a:endParaRPr lang="en-US"/>
           </a:p>
@@ -2840,7 +3080,7 @@
           <a:p>
             <a:fld id="{216E0E02-55D8-4A62-964B-783B05293A72}" type="datetimeFigureOut">
               <a:rPr lang="es-HN" smtClean="0"/>
-              <a:t>14/2/2023</a:t>
+              <a:t>2/3/2023</a:t>
             </a:fld>
             <a:endParaRPr lang="es-HN"/>
           </a:p>
@@ -3735,6 +3975,102 @@
           <a:chExt cx="0" cy="0"/>
         </a:xfrm>
       </p:grpSpPr>
+      <p:pic>
+        <p:nvPicPr>
+          <p:cNvPr id="2" name="Online Media 1">
+            <a:hlinkClick r:id="" action="ppaction://media"/>
+            <a:extLst>
+              <a:ext uri="{FF2B5EF4-FFF2-40B4-BE49-F238E27FC236}">
+                <a16:creationId xmlns:a16="http://schemas.microsoft.com/office/drawing/2014/main" id="{DE470F50-AB4C-48C6-9DE2-82737E6DA2AD}"/>
+              </a:ext>
+            </a:extLst>
+          </p:cNvPr>
+          <p:cNvPicPr>
+            <a:picLocks noRot="1" noChangeAspect="1"/>
+          </p:cNvPicPr>
+          <p:nvPr>
+            <a:videoFile r:link="rId1"/>
+          </p:nvPr>
+        </p:nvPicPr>
+        <p:blipFill>
+          <a:blip r:embed="rId4"/>
+          <a:stretch>
+            <a:fillRect/>
+          </a:stretch>
+        </p:blipFill>
+        <p:spPr>
+          <a:xfrm>
+            <a:off x="0" y="0"/>
+            <a:ext cx="12192000" cy="6858000"/>
+          </a:xfrm>
+          <a:prstGeom prst="rect">
+            <a:avLst/>
+          </a:prstGeom>
+        </p:spPr>
+      </p:pic>
+      <p:pic>
+        <p:nvPicPr>
+          <p:cNvPr id="3" name="Picture 2">
+            <a:extLst>
+              <a:ext uri="{FF2B5EF4-FFF2-40B4-BE49-F238E27FC236}">
+                <a16:creationId xmlns:a16="http://schemas.microsoft.com/office/drawing/2014/main" id="{D40AE241-4B3B-458F-BDC4-BD5BB123A102}"/>
+              </a:ext>
+            </a:extLst>
+          </p:cNvPr>
+          <p:cNvPicPr>
+            <a:picLocks noChangeAspect="1"/>
+          </p:cNvPicPr>
+          <p:nvPr/>
+        </p:nvPicPr>
+        <p:blipFill>
+          <a:blip r:embed="rId5"/>
+          <a:stretch>
+            <a:fillRect/>
+          </a:stretch>
+        </p:blipFill>
+        <p:spPr>
+          <a:xfrm>
+            <a:off x="2051266" y="0"/>
+            <a:ext cx="8369084" cy="6858000"/>
+          </a:xfrm>
+          <a:prstGeom prst="rect">
+            <a:avLst/>
+          </a:prstGeom>
+        </p:spPr>
+      </p:pic>
+    </p:spTree>
+    <p:extLst>
+      <p:ext uri="{BB962C8B-B14F-4D97-AF65-F5344CB8AC3E}">
+        <p14:creationId xmlns:p14="http://schemas.microsoft.com/office/powerpoint/2010/main" val="2718683785"/>
+      </p:ext>
+    </p:extLst>
+  </p:cSld>
+  <p:clrMapOvr>
+    <a:masterClrMapping/>
+  </p:clrMapOvr>
+  <p:transition>
+    <p:fade/>
+  </p:transition>
+</p:sld>
+</file>
+
+<file path=ppt/slides/slide2.xml><?xml version="1.0" encoding="utf-8"?>
+<p:sld xmlns:a="http://schemas.openxmlformats.org/drawingml/2006/main" xmlns:r="http://schemas.openxmlformats.org/officeDocument/2006/relationships" xmlns:p="http://schemas.openxmlformats.org/presentationml/2006/main">
+  <p:cSld>
+    <p:spTree>
+      <p:nvGrpSpPr>
+        <p:cNvPr id="1" name=""/>
+        <p:cNvGrpSpPr/>
+        <p:nvPr/>
+      </p:nvGrpSpPr>
+      <p:grpSpPr>
+        <a:xfrm>
+          <a:off x="0" y="0"/>
+          <a:ext cx="0" cy="0"/>
+          <a:chOff x="0" y="0"/>
+          <a:chExt cx="0" cy="0"/>
+        </a:xfrm>
+      </p:grpSpPr>
       <p:sp>
         <p:nvSpPr>
           <p:cNvPr id="2" name="Title 1"/>
@@ -4003,7 +4339,7 @@
 </p:sld>
 </file>
 
-<file path=ppt/slides/slide2.xml><?xml version="1.0" encoding="utf-8"?>
+<file path=ppt/slides/slide3.xml><?xml version="1.0" encoding="utf-8"?>
 <p:sld xmlns:a="http://schemas.openxmlformats.org/drawingml/2006/main" xmlns:r="http://schemas.openxmlformats.org/officeDocument/2006/relationships" xmlns:p="http://schemas.openxmlformats.org/presentationml/2006/main">
   <p:cSld>
     <p:spTree>
@@ -4141,7 +4477,7 @@
 </p:sld>
 </file>
 
-<file path=ppt/slides/slide3.xml><?xml version="1.0" encoding="utf-8"?>
+<file path=ppt/slides/slide4.xml><?xml version="1.0" encoding="utf-8"?>
 <p:sld xmlns:a="http://schemas.openxmlformats.org/drawingml/2006/main" xmlns:r="http://schemas.openxmlformats.org/officeDocument/2006/relationships" xmlns:p="http://schemas.openxmlformats.org/presentationml/2006/main">
   <p:cSld>
     <p:spTree>
@@ -4266,7 +4602,7 @@
 </p:sld>
 </file>
 
-<file path=ppt/slides/slide4.xml><?xml version="1.0" encoding="utf-8"?>
+<file path=ppt/slides/slide5.xml><?xml version="1.0" encoding="utf-8"?>
 <p:sld xmlns:a="http://schemas.openxmlformats.org/drawingml/2006/main" xmlns:r="http://schemas.openxmlformats.org/officeDocument/2006/relationships" xmlns:p="http://schemas.openxmlformats.org/presentationml/2006/main">
   <p:cSld>
     <p:spTree>
@@ -4428,105 +4764,6 @@
           <a:effectLst/>
         </p:spPr>
       </p:pic>
-      <p:sp>
-        <p:nvSpPr>
-          <p:cNvPr id="444427" name="Text Box 11"/>
-          <p:cNvSpPr txBox="1">
-            <a:spLocks noChangeArrowheads="1"/>
-          </p:cNvSpPr>
-          <p:nvPr/>
-        </p:nvSpPr>
-        <p:spPr bwMode="auto">
-          <a:xfrm>
-            <a:off x="258763" y="2563813"/>
-            <a:ext cx="2740147" cy="4154984"/>
-          </a:xfrm>
-          <a:prstGeom prst="rect">
-            <a:avLst/>
-          </a:prstGeom>
-          <a:noFill/>
-          <a:ln w="12700">
-            <a:noFill/>
-            <a:miter lim="800000"/>
-            <a:headEnd type="none" w="lg" len="med"/>
-            <a:tailEnd type="none" w="lg" len="med"/>
-          </a:ln>
-          <a:effectLst/>
-        </p:spPr>
-        <p:txBody>
-          <a:bodyPr wrap="square">
-            <a:spAutoFit/>
-          </a:bodyPr>
-          <a:lstStyle/>
-          <a:p>
-            <a:pPr marL="284163" indent="-284163">
-              <a:buFontTx/>
-              <a:buChar char="•"/>
-            </a:pPr>
-            <a:r>
-              <a:rPr lang="en-US" sz="2400" dirty="0">
-                <a:solidFill>
-                  <a:schemeClr val="accent4"/>
-                </a:solidFill>
-              </a:rPr>
-              <a:t>Sludge will accumulate on the flat tank bottom</a:t>
-            </a:r>
-          </a:p>
-          <a:p>
-            <a:pPr marL="284163" indent="-284163">
-              <a:buFontTx/>
-              <a:buChar char="•"/>
-            </a:pPr>
-            <a:r>
-              <a:rPr lang="en-US" sz="2400" dirty="0">
-                <a:solidFill>
-                  <a:schemeClr val="accent4"/>
-                </a:solidFill>
-              </a:rPr>
-              <a:t>How are plate settlers suspended?</a:t>
-            </a:r>
-          </a:p>
-          <a:p>
-            <a:pPr marL="284163" indent="-284163">
-              <a:buFontTx/>
-              <a:buChar char="•"/>
-            </a:pPr>
-            <a:r>
-              <a:rPr lang="en-US" sz="2400" dirty="0">
-                <a:solidFill>
-                  <a:schemeClr val="accent4"/>
-                </a:solidFill>
-              </a:rPr>
-              <a:t>Inaccessible channels</a:t>
-            </a:r>
-          </a:p>
-          <a:p>
-            <a:pPr marL="284163" indent="-284163">
-              <a:buFontTx/>
-              <a:buChar char="•"/>
-            </a:pPr>
-            <a:r>
-              <a:rPr lang="en-US" sz="2400" dirty="0">
-                <a:solidFill>
-                  <a:schemeClr val="accent4"/>
-                </a:solidFill>
-              </a:rPr>
-              <a:t>Access to bottom of tank?</a:t>
-            </a:r>
-          </a:p>
-          <a:p>
-            <a:pPr marL="284163" indent="-284163">
-              <a:buFontTx/>
-              <a:buChar char="•"/>
-            </a:pPr>
-            <a:endParaRPr lang="en-US" sz="2400" dirty="0">
-              <a:solidFill>
-                <a:schemeClr val="accent4"/>
-              </a:solidFill>
-            </a:endParaRPr>
-          </a:p>
-        </p:txBody>
-      </p:sp>
       <p:pic>
         <p:nvPicPr>
           <p:cNvPr id="2" name="Picture 1">
@@ -4616,20 +4853,23 @@
       </p:sp>
       <p:cxnSp>
         <p:nvCxnSpPr>
-          <p:cNvPr id="6" name="Straight Arrow Connector 5">
+          <p:cNvPr id="12" name="Straight Arrow Connector 11">
             <a:extLst>
               <a:ext uri="{FF2B5EF4-FFF2-40B4-BE49-F238E27FC236}">
-                <a16:creationId xmlns:a16="http://schemas.microsoft.com/office/drawing/2014/main" id="{8FF04639-4D1E-4A6C-BAF1-62A168390044}"/>
+                <a16:creationId xmlns:a16="http://schemas.microsoft.com/office/drawing/2014/main" id="{C8708A42-9869-4434-9B91-2C286AEF6A6B}"/>
               </a:ext>
             </a:extLst>
           </p:cNvPr>
-          <p:cNvCxnSpPr/>
+          <p:cNvCxnSpPr>
+            <a:cxnSpLocks/>
+            <a:stCxn id="5" idx="3"/>
+          </p:cNvCxnSpPr>
           <p:nvPr/>
         </p:nvCxnSpPr>
         <p:spPr>
           <a:xfrm>
-            <a:off x="2362200" y="2847975"/>
-            <a:ext cx="2095500" cy="2990850"/>
+            <a:off x="4457700" y="1757035"/>
+            <a:ext cx="1619250" cy="3100715"/>
           </a:xfrm>
           <a:prstGeom prst="straightConnector1">
             <a:avLst/>
@@ -4653,47 +4893,41 @@
           </a:fontRef>
         </p:style>
       </p:cxnSp>
-      <p:cxnSp>
-        <p:nvCxnSpPr>
-          <p:cNvPr id="12" name="Straight Arrow Connector 11">
+      <p:sp>
+        <p:nvSpPr>
+          <p:cNvPr id="5" name="TextBox 4">
             <a:extLst>
               <a:ext uri="{FF2B5EF4-FFF2-40B4-BE49-F238E27FC236}">
-                <a16:creationId xmlns:a16="http://schemas.microsoft.com/office/drawing/2014/main" id="{C8708A42-9869-4434-9B91-2C286AEF6A6B}"/>
+                <a16:creationId xmlns:a16="http://schemas.microsoft.com/office/drawing/2014/main" id="{5A4C10E1-5D0A-492F-AA85-8269A6F5637E}"/>
               </a:ext>
             </a:extLst>
           </p:cNvPr>
-          <p:cNvCxnSpPr>
-            <a:cxnSpLocks/>
-          </p:cNvCxnSpPr>
+          <p:cNvSpPr txBox="1"/>
           <p:nvPr/>
-        </p:nvCxnSpPr>
+        </p:nvSpPr>
         <p:spPr>
           <a:xfrm>
-            <a:off x="2381250" y="2867025"/>
-            <a:ext cx="3695700" cy="1990725"/>
+            <a:off x="356897" y="1495425"/>
+            <a:ext cx="4100803" cy="523220"/>
           </a:xfrm>
-          <a:prstGeom prst="straightConnector1">
+          <a:prstGeom prst="rect">
             <a:avLst/>
           </a:prstGeom>
-          <a:ln w="57150">
-            <a:tailEnd type="triangle"/>
-          </a:ln>
+          <a:noFill/>
         </p:spPr>
-        <p:style>
-          <a:lnRef idx="1">
-            <a:schemeClr val="accent1"/>
-          </a:lnRef>
-          <a:fillRef idx="0">
-            <a:schemeClr val="accent1"/>
-          </a:fillRef>
-          <a:effectRef idx="0">
-            <a:schemeClr val="accent1"/>
-          </a:effectRef>
-          <a:fontRef idx="minor">
-            <a:schemeClr val="tx1"/>
-          </a:fontRef>
-        </p:style>
-      </p:cxnSp>
+        <p:txBody>
+          <a:bodyPr wrap="none" rtlCol="0">
+            <a:spAutoFit/>
+          </a:bodyPr>
+          <a:lstStyle/>
+          <a:p>
+            <a:r>
+              <a:rPr lang="en-US" dirty="0"/>
+              <a:t>Orifice from inlet manifold</a:t>
+            </a:r>
+          </a:p>
+        </p:txBody>
+      </p:sp>
     </p:spTree>
   </p:cSld>
   <p:clrMapOvr>
@@ -4770,7 +5004,7 @@
                             </p:stCondLst>
                             <p:childTnLst>
                               <p:par>
-                                <p:cTn id="9" presetID="1" presetClass="entr" presetSubtype="0" fill="hold" grpId="0" nodeType="clickEffect">
+                                <p:cTn id="9" presetID="1" presetClass="entr" presetSubtype="0" fill="hold" nodeType="clickEffect">
                                   <p:stCondLst>
                                     <p:cond delay="0"/>
                                   </p:stCondLst>
@@ -4783,248 +5017,7 @@
                                           </p:stCondLst>
                                         </p:cTn>
                                         <p:tgtEl>
-                                          <p:spTgt spid="444427">
-                                            <p:txEl>
-                                              <p:pRg st="0" end="0"/>
-                                            </p:txEl>
-                                          </p:spTgt>
-                                        </p:tgtEl>
-                                        <p:attrNameLst>
-                                          <p:attrName>style.visibility</p:attrName>
-                                        </p:attrNameLst>
-                                      </p:cBhvr>
-                                      <p:to>
-                                        <p:strVal val="visible"/>
-                                      </p:to>
-                                    </p:set>
-                                  </p:childTnLst>
-                                </p:cTn>
-                              </p:par>
-                            </p:childTnLst>
-                          </p:cTn>
-                        </p:par>
-                      </p:childTnLst>
-                    </p:cTn>
-                  </p:par>
-                  <p:par>
-                    <p:cTn id="11" fill="hold">
-                      <p:stCondLst>
-                        <p:cond delay="indefinite"/>
-                      </p:stCondLst>
-                      <p:childTnLst>
-                        <p:par>
-                          <p:cTn id="12" fill="hold">
-                            <p:stCondLst>
-                              <p:cond delay="0"/>
-                            </p:stCondLst>
-                            <p:childTnLst>
-                              <p:par>
-                                <p:cTn id="13" presetID="1" presetClass="entr" presetSubtype="0" fill="hold" nodeType="clickEffect">
-                                  <p:stCondLst>
-                                    <p:cond delay="0"/>
-                                  </p:stCondLst>
-                                  <p:childTnLst>
-                                    <p:set>
-                                      <p:cBhvr>
-                                        <p:cTn id="14" dur="1" fill="hold">
-                                          <p:stCondLst>
-                                            <p:cond delay="0"/>
-                                          </p:stCondLst>
-                                        </p:cTn>
-                                        <p:tgtEl>
-                                          <p:spTgt spid="6"/>
-                                        </p:tgtEl>
-                                        <p:attrNameLst>
-                                          <p:attrName>style.visibility</p:attrName>
-                                        </p:attrNameLst>
-                                      </p:cBhvr>
-                                      <p:to>
-                                        <p:strVal val="visible"/>
-                                      </p:to>
-                                    </p:set>
-                                  </p:childTnLst>
-                                </p:cTn>
-                              </p:par>
-                            </p:childTnLst>
-                          </p:cTn>
-                        </p:par>
-                      </p:childTnLst>
-                    </p:cTn>
-                  </p:par>
-                  <p:par>
-                    <p:cTn id="15" fill="hold">
-                      <p:stCondLst>
-                        <p:cond delay="indefinite"/>
-                      </p:stCondLst>
-                      <p:childTnLst>
-                        <p:par>
-                          <p:cTn id="16" fill="hold">
-                            <p:stCondLst>
-                              <p:cond delay="0"/>
-                            </p:stCondLst>
-                            <p:childTnLst>
-                              <p:par>
-                                <p:cTn id="17" presetID="1" presetClass="entr" presetSubtype="0" fill="hold" nodeType="clickEffect">
-                                  <p:stCondLst>
-                                    <p:cond delay="0"/>
-                                  </p:stCondLst>
-                                  <p:childTnLst>
-                                    <p:set>
-                                      <p:cBhvr>
-                                        <p:cTn id="18" dur="1" fill="hold">
-                                          <p:stCondLst>
-                                            <p:cond delay="0"/>
-                                          </p:stCondLst>
-                                        </p:cTn>
-                                        <p:tgtEl>
                                           <p:spTgt spid="12"/>
-                                        </p:tgtEl>
-                                        <p:attrNameLst>
-                                          <p:attrName>style.visibility</p:attrName>
-                                        </p:attrNameLst>
-                                      </p:cBhvr>
-                                      <p:to>
-                                        <p:strVal val="visible"/>
-                                      </p:to>
-                                    </p:set>
-                                  </p:childTnLst>
-                                </p:cTn>
-                              </p:par>
-                            </p:childTnLst>
-                          </p:cTn>
-                        </p:par>
-                      </p:childTnLst>
-                    </p:cTn>
-                  </p:par>
-                  <p:par>
-                    <p:cTn id="19" fill="hold">
-                      <p:stCondLst>
-                        <p:cond delay="indefinite"/>
-                      </p:stCondLst>
-                      <p:childTnLst>
-                        <p:par>
-                          <p:cTn id="20" fill="hold">
-                            <p:stCondLst>
-                              <p:cond delay="0"/>
-                            </p:stCondLst>
-                            <p:childTnLst>
-                              <p:par>
-                                <p:cTn id="21" presetID="1" presetClass="entr" presetSubtype="0" fill="hold" grpId="0" nodeType="clickEffect">
-                                  <p:stCondLst>
-                                    <p:cond delay="0"/>
-                                  </p:stCondLst>
-                                  <p:childTnLst>
-                                    <p:set>
-                                      <p:cBhvr>
-                                        <p:cTn id="22" dur="1" fill="hold">
-                                          <p:stCondLst>
-                                            <p:cond delay="0"/>
-                                          </p:stCondLst>
-                                        </p:cTn>
-                                        <p:tgtEl>
-                                          <p:spTgt spid="444427">
-                                            <p:txEl>
-                                              <p:pRg st="1" end="1"/>
-                                            </p:txEl>
-                                          </p:spTgt>
-                                        </p:tgtEl>
-                                        <p:attrNameLst>
-                                          <p:attrName>style.visibility</p:attrName>
-                                        </p:attrNameLst>
-                                      </p:cBhvr>
-                                      <p:to>
-                                        <p:strVal val="visible"/>
-                                      </p:to>
-                                    </p:set>
-                                  </p:childTnLst>
-                                </p:cTn>
-                              </p:par>
-                            </p:childTnLst>
-                          </p:cTn>
-                        </p:par>
-                      </p:childTnLst>
-                    </p:cTn>
-                  </p:par>
-                  <p:par>
-                    <p:cTn id="23" fill="hold">
-                      <p:stCondLst>
-                        <p:cond delay="indefinite"/>
-                      </p:stCondLst>
-                      <p:childTnLst>
-                        <p:par>
-                          <p:cTn id="24" fill="hold">
-                            <p:stCondLst>
-                              <p:cond delay="0"/>
-                            </p:stCondLst>
-                            <p:childTnLst>
-                              <p:par>
-                                <p:cTn id="25" presetID="1" presetClass="entr" presetSubtype="0" fill="hold" grpId="0" nodeType="clickEffect">
-                                  <p:stCondLst>
-                                    <p:cond delay="0"/>
-                                  </p:stCondLst>
-                                  <p:childTnLst>
-                                    <p:set>
-                                      <p:cBhvr>
-                                        <p:cTn id="26" dur="1" fill="hold">
-                                          <p:stCondLst>
-                                            <p:cond delay="0"/>
-                                          </p:stCondLst>
-                                        </p:cTn>
-                                        <p:tgtEl>
-                                          <p:spTgt spid="444427">
-                                            <p:txEl>
-                                              <p:pRg st="2" end="2"/>
-                                            </p:txEl>
-                                          </p:spTgt>
-                                        </p:tgtEl>
-                                        <p:attrNameLst>
-                                          <p:attrName>style.visibility</p:attrName>
-                                        </p:attrNameLst>
-                                      </p:cBhvr>
-                                      <p:to>
-                                        <p:strVal val="visible"/>
-                                      </p:to>
-                                    </p:set>
-                                  </p:childTnLst>
-                                </p:cTn>
-                              </p:par>
-                            </p:childTnLst>
-                          </p:cTn>
-                        </p:par>
-                      </p:childTnLst>
-                    </p:cTn>
-                  </p:par>
-                  <p:par>
-                    <p:cTn id="27" fill="hold">
-                      <p:stCondLst>
-                        <p:cond delay="indefinite"/>
-                      </p:stCondLst>
-                      <p:childTnLst>
-                        <p:par>
-                          <p:cTn id="28" fill="hold">
-                            <p:stCondLst>
-                              <p:cond delay="0"/>
-                            </p:stCondLst>
-                            <p:childTnLst>
-                              <p:par>
-                                <p:cTn id="29" presetID="1" presetClass="entr" presetSubtype="0" fill="hold" grpId="0" nodeType="clickEffect">
-                                  <p:stCondLst>
-                                    <p:cond delay="0"/>
-                                  </p:stCondLst>
-                                  <p:childTnLst>
-                                    <p:set>
-                                      <p:cBhvr>
-                                        <p:cTn id="30" dur="1" fill="hold">
-                                          <p:stCondLst>
-                                            <p:cond delay="0"/>
-                                          </p:stCondLst>
-                                        </p:cTn>
-                                        <p:tgtEl>
-                                          <p:spTgt spid="444427">
-                                            <p:txEl>
-                                              <p:pRg st="3" end="3"/>
-                                            </p:txEl>
-                                          </p:spTgt>
                                         </p:tgtEl>
                                         <p:attrNameLst>
                                           <p:attrName>style.visibility</p:attrName>
@@ -5065,14 +5058,13 @@
       </p:par>
     </p:tnLst>
     <p:bldLst>
-      <p:bldP spid="444427" grpId="0" uiExpand="1" build="p"/>
       <p:bldP spid="4" grpId="0" animBg="1"/>
     </p:bldLst>
   </p:timing>
 </p:sld>
 </file>
 
-<file path=ppt/slides/slide5.xml><?xml version="1.0" encoding="utf-8"?>
+<file path=ppt/slides/slide6.xml><?xml version="1.0" encoding="utf-8"?>
 <p:sld xmlns:a="http://schemas.openxmlformats.org/drawingml/2006/main" xmlns:r="http://schemas.openxmlformats.org/officeDocument/2006/relationships" xmlns:p="http://schemas.openxmlformats.org/presentationml/2006/main">
   <p:cSld>
     <p:spTree>
@@ -5101,8 +5093,8 @@
         </p:nvSpPr>
         <p:spPr>
           <a:xfrm>
-            <a:off x="457200" y="228600"/>
-            <a:ext cx="3543300" cy="1143000"/>
+            <a:off x="457199" y="228600"/>
+            <a:ext cx="6391275" cy="1143000"/>
           </a:xfrm>
         </p:spPr>
         <p:txBody>
@@ -5111,13 +5103,8 @@
           <a:p>
             <a:r>
               <a:rPr lang="en-US" dirty="0"/>
-              <a:t>CEPIS </a:t>
-            </a:r>
-            <a:r>
-              <a:rPr lang="en-US" dirty="0" err="1"/>
-              <a:t>Sed</a:t>
-            </a:r>
-            <a:endParaRPr lang="en-US" dirty="0"/>
+              <a:t>CEPIS Plate settlers and outlet manifolds</a:t>
+            </a:r>
           </a:p>
         </p:txBody>
       </p:sp>
@@ -5143,19 +5130,13 @@
           <a:p>
             <a:r>
               <a:rPr lang="en-US" dirty="0"/>
-              <a:t>Plate settlers and outlet manifolds</a:t>
+              <a:t>Outlet manifold orifices must be perfectly level using this system (orifice elevation sets water elevation!)</a:t>
             </a:r>
           </a:p>
           <a:p>
             <a:r>
               <a:rPr lang="en-US" dirty="0"/>
-              <a:t>Outlet Manifolds must be perfectly level using this system (orifice elevation sets water elevation!)</a:t>
-            </a:r>
-          </a:p>
-          <a:p>
-            <a:r>
-              <a:rPr lang="en-US" dirty="0"/>
-              <a:t>Submerged launders are easier to build with no concern if they aren’t level</a:t>
+              <a:t>Submerged launders (used by AguaClara) are easier to build with no concern if they aren’t level</a:t>
             </a:r>
           </a:p>
         </p:txBody>
@@ -5277,6 +5258,47 @@
           <a:xfrm flipV="1">
             <a:off x="6562725" y="2838450"/>
             <a:ext cx="628650" cy="3143250"/>
+          </a:xfrm>
+          <a:prstGeom prst="straightConnector1">
+            <a:avLst/>
+          </a:prstGeom>
+          <a:ln w="57150">
+            <a:tailEnd type="triangle"/>
+          </a:ln>
+        </p:spPr>
+        <p:style>
+          <a:lnRef idx="1">
+            <a:schemeClr val="accent1"/>
+          </a:lnRef>
+          <a:fillRef idx="0">
+            <a:schemeClr val="accent1"/>
+          </a:fillRef>
+          <a:effectRef idx="0">
+            <a:schemeClr val="accent1"/>
+          </a:effectRef>
+          <a:fontRef idx="minor">
+            <a:schemeClr val="tx1"/>
+          </a:fontRef>
+        </p:style>
+      </p:cxnSp>
+      <p:cxnSp>
+        <p:nvCxnSpPr>
+          <p:cNvPr id="7" name="Straight Arrow Connector 6">
+            <a:extLst>
+              <a:ext uri="{FF2B5EF4-FFF2-40B4-BE49-F238E27FC236}">
+                <a16:creationId xmlns:a16="http://schemas.microsoft.com/office/drawing/2014/main" id="{A6663914-975D-4E2C-B824-4B20E1CF4DB2}"/>
+              </a:ext>
+            </a:extLst>
+          </p:cNvPr>
+          <p:cNvCxnSpPr>
+            <a:cxnSpLocks/>
+          </p:cNvCxnSpPr>
+          <p:nvPr/>
+        </p:nvCxnSpPr>
+        <p:spPr>
+          <a:xfrm>
+            <a:off x="6076635" y="1924051"/>
+            <a:ext cx="2762565" cy="0"/>
           </a:xfrm>
           <a:prstGeom prst="straightConnector1">
             <a:avLst/>
